--- a/cs231n_loopy_nets_icaswell_lisa1010_shencq_ver2.pptx
+++ b/cs231n_loopy_nets_icaswell_lisa1010_shencq_ver2.pptx
@@ -3970,10 +3970,7 @@
               <a:rPr lang="en-US" sz="2800" dirty="0"/>
               <a:t>We are interested in exploring whether LNNs with fewer layers can perform as well, if not better than, deep networks. If true, then LNNs can become a more compact alternative when training neural net models.  </a:t>
             </a:r>
-            <a:endParaRPr lang="en-US" sz="2800" dirty="0">
-              <a:latin typeface="Calibri"/>
-              <a:cs typeface="Calibri"/>
-            </a:endParaRPr>
+            <a:endParaRPr lang="en-US" sz="2800" dirty="0" smtClean="0"/>
           </a:p>
         </p:txBody>
       </p:sp>
@@ -4456,319 +4453,270 @@
       </p:sp>
       <p:grpSp>
         <p:nvGrpSpPr>
-          <p:cNvPr id="6" name="Group 5"/>
+          <p:cNvPr id="18" name="Group 17"/>
           <p:cNvGrpSpPr/>
           <p:nvPr/>
         </p:nvGrpSpPr>
         <p:grpSpPr>
           <a:xfrm>
-            <a:off x="1295400" y="12954000"/>
-            <a:ext cx="9669780" cy="8094524"/>
-            <a:chOff x="1295400" y="12420600"/>
-            <a:chExt cx="9669780" cy="8094524"/>
+            <a:off x="1295400" y="12801600"/>
+            <a:ext cx="9669780" cy="8248412"/>
+            <a:chOff x="1447800" y="17449800"/>
+            <a:chExt cx="10744200" cy="10310515"/>
           </a:xfrm>
         </p:grpSpPr>
-        <p:grpSp>
-          <p:nvGrpSpPr>
-            <p:cNvPr id="18" name="Group 17"/>
-            <p:cNvGrpSpPr/>
+        <p:sp>
+          <p:nvSpPr>
+            <p:cNvPr id="106" name="Text Box 357"/>
+            <p:cNvSpPr txBox="1">
+              <a:spLocks noChangeArrowheads="1"/>
+            </p:cNvSpPr>
             <p:nvPr/>
-          </p:nvGrpSpPr>
-          <p:grpSpPr>
+          </p:nvSpPr>
+          <p:spPr bwMode="auto">
             <a:xfrm>
-              <a:off x="1295400" y="12420600"/>
-              <a:ext cx="9669780" cy="8094524"/>
-              <a:chOff x="1447800" y="17449800"/>
-              <a:chExt cx="10744200" cy="10118154"/>
+              <a:off x="1447800" y="17449800"/>
+              <a:ext cx="10744200" cy="10310515"/>
             </a:xfrm>
-          </p:grpSpPr>
-          <p:sp>
-            <p:nvSpPr>
-              <p:cNvPr id="106" name="Text Box 357"/>
-              <p:cNvSpPr txBox="1">
-                <a:spLocks noChangeArrowheads="1"/>
-              </p:cNvSpPr>
-              <p:nvPr/>
-            </p:nvSpPr>
-            <p:spPr bwMode="auto">
-              <a:xfrm>
-                <a:off x="1447800" y="17449800"/>
-                <a:ext cx="10744200" cy="10118154"/>
-              </a:xfrm>
-              <a:prstGeom prst="rect">
-                <a:avLst/>
-              </a:prstGeom>
-              <a:ln w="76200" cmpd="sng">
-                <a:round/>
-                <a:headEnd/>
-                <a:tailEnd/>
-              </a:ln>
-            </p:spPr>
-            <p:style>
-              <a:lnRef idx="2">
-                <a:schemeClr val="accent1"/>
-              </a:lnRef>
-              <a:fillRef idx="1">
-                <a:schemeClr val="lt1"/>
-              </a:fillRef>
-              <a:effectRef idx="0">
-                <a:schemeClr val="accent1"/>
-              </a:effectRef>
-              <a:fontRef idx="minor">
-                <a:schemeClr val="dk1"/>
-              </a:fontRef>
-            </p:style>
-            <p:txBody>
-              <a:bodyPr wrap="square" lIns="91440" tIns="91440" rIns="84400" bIns="91440">
-                <a:spAutoFit/>
-              </a:bodyPr>
-              <a:lstStyle/>
-              <a:p>
-                <a:pPr marL="152392" defTabSz="3223371">
-                  <a:defRPr/>
-                </a:pPr>
-                <a:r>
-                  <a:rPr lang="en-US" sz="3800" b="1" dirty="0">
-                    <a:solidFill>
-                      <a:srgbClr val="4F81BD"/>
-                    </a:solidFill>
-                    <a:latin typeface="Gill Sans"/>
-                    <a:cs typeface="Gill Sans"/>
-                  </a:rPr>
-                  <a:t>Related Existing Architectures</a:t>
-                </a:r>
-              </a:p>
-              <a:p>
-                <a:pPr marL="789175" indent="-636782" defTabSz="3223371">
-                  <a:buAutoNum type="arabicPeriod"/>
-                  <a:defRPr/>
-                </a:pPr>
-                <a:r>
-                  <a:rPr lang="en-US" sz="2800" b="1" dirty="0">
-                    <a:latin typeface="Calibri"/>
-                    <a:cs typeface="Calibri"/>
-                  </a:rPr>
-                  <a:t>RNNs: </a:t>
-                </a:r>
-                <a:r>
-                  <a:rPr lang="en-US" sz="2800" dirty="0">
-                    <a:latin typeface="Calibri"/>
-                    <a:cs typeface="Calibri"/>
-                  </a:rPr>
-                  <a:t>Unrolling of loopy net similar to unrolling RNN. However, input only fed into first layer for loopy net, not at different time steps.</a:t>
-                </a:r>
-              </a:p>
-              <a:p>
-                <a:pPr marL="789175" indent="-636782" defTabSz="3223371">
-                  <a:buAutoNum type="arabicPeriod"/>
-                  <a:defRPr/>
-                </a:pPr>
-                <a:endParaRPr lang="en-US" sz="2800" dirty="0">
+            <a:prstGeom prst="rect">
+              <a:avLst/>
+            </a:prstGeom>
+            <a:ln w="76200" cmpd="sng">
+              <a:round/>
+              <a:headEnd/>
+              <a:tailEnd/>
+            </a:ln>
+          </p:spPr>
+          <p:style>
+            <a:lnRef idx="2">
+              <a:schemeClr val="accent1"/>
+            </a:lnRef>
+            <a:fillRef idx="1">
+              <a:schemeClr val="lt1"/>
+            </a:fillRef>
+            <a:effectRef idx="0">
+              <a:schemeClr val="accent1"/>
+            </a:effectRef>
+            <a:fontRef idx="minor">
+              <a:schemeClr val="dk1"/>
+            </a:fontRef>
+          </p:style>
+          <p:txBody>
+            <a:bodyPr wrap="square" lIns="91440" tIns="91440" rIns="84400" bIns="91440">
+              <a:spAutoFit/>
+            </a:bodyPr>
+            <a:lstStyle/>
+            <a:p>
+              <a:pPr marL="152392" defTabSz="3223371">
+                <a:defRPr/>
+              </a:pPr>
+              <a:r>
+                <a:rPr lang="en-US" sz="3800" b="1" dirty="0">
+                  <a:solidFill>
+                    <a:srgbClr val="4F81BD"/>
+                  </a:solidFill>
+                  <a:latin typeface="Gill Sans"/>
+                  <a:cs typeface="Gill Sans"/>
+                </a:rPr>
+                <a:t>Related Existing Architectures</a:t>
+              </a:r>
+            </a:p>
+            <a:p>
+              <a:pPr marL="789175" indent="-636782" defTabSz="3223371">
+                <a:buAutoNum type="arabicPeriod"/>
+                <a:defRPr/>
+              </a:pPr>
+              <a:r>
+                <a:rPr lang="en-US" sz="2800" b="1" dirty="0">
                   <a:latin typeface="Calibri"/>
                   <a:cs typeface="Calibri"/>
-                </a:endParaRPr>
-              </a:p>
-              <a:p>
-                <a:pPr marL="789175" indent="-636782" defTabSz="3223371">
-                  <a:buAutoNum type="arabicPeriod"/>
-                  <a:defRPr/>
-                </a:pPr>
-                <a:endParaRPr lang="en-US" sz="2800" dirty="0">
+                </a:rPr>
+                <a:t>RNNs: </a:t>
+              </a:r>
+              <a:r>
+                <a:rPr lang="en-US" sz="2800" dirty="0"/>
+                <a:t>Unrolling of LNN is similar to that in RNN. However, RNNs accept new input at each time step, while LNNs accept the same input at each time-step.  Furthermore, original input is </a:t>
+              </a:r>
+              <a:r>
+                <a:rPr lang="en-US" sz="2800" dirty="0" err="1"/>
+                <a:t>elementwise</a:t>
+              </a:r>
+              <a:r>
+                <a:rPr lang="en-US" sz="2800" dirty="0"/>
+                <a:t> composed with the loop input, rather than processed through matrix multiply first</a:t>
+              </a:r>
+              <a:r>
+                <a:rPr lang="en-US" sz="2800" dirty="0" smtClean="0"/>
+                <a:t>.</a:t>
+              </a:r>
+            </a:p>
+            <a:p>
+              <a:pPr marL="789175" indent="-636782" defTabSz="3223371">
+                <a:buAutoNum type="arabicPeriod"/>
+                <a:defRPr/>
+              </a:pPr>
+              <a:endParaRPr lang="en-US" sz="500" dirty="0" smtClean="0">
+                <a:latin typeface="Calibri"/>
+                <a:cs typeface="Calibri"/>
+              </a:endParaRPr>
+            </a:p>
+            <a:p>
+              <a:pPr marL="789175" indent="-636782" defTabSz="3223371">
+                <a:buAutoNum type="arabicPeriod"/>
+                <a:defRPr/>
+              </a:pPr>
+              <a:endParaRPr lang="en-US" sz="2800" dirty="0" smtClean="0">
+                <a:latin typeface="Calibri"/>
+                <a:cs typeface="Calibri"/>
+              </a:endParaRPr>
+            </a:p>
+            <a:p>
+              <a:pPr marL="789175" indent="-636782" defTabSz="3223371">
+                <a:buAutoNum type="arabicPeriod"/>
+                <a:defRPr/>
+              </a:pPr>
+              <a:endParaRPr lang="en-US" sz="2800" dirty="0">
+                <a:latin typeface="Calibri"/>
+                <a:cs typeface="Calibri"/>
+              </a:endParaRPr>
+            </a:p>
+            <a:p>
+              <a:pPr marL="152393" defTabSz="3223371">
+                <a:defRPr/>
+              </a:pPr>
+              <a:endParaRPr lang="en-US" sz="2800" dirty="0">
+                <a:latin typeface="Calibri"/>
+                <a:cs typeface="Calibri"/>
+              </a:endParaRPr>
+            </a:p>
+            <a:p>
+              <a:pPr marL="789175" indent="-636782" defTabSz="3223371">
+                <a:buAutoNum type="arabicPeriod"/>
+                <a:defRPr/>
+              </a:pPr>
+              <a:r>
+                <a:rPr lang="en-US" sz="2800" b="1" dirty="0" err="1">
                   <a:latin typeface="Calibri"/>
                   <a:cs typeface="Calibri"/>
-                </a:endParaRPr>
-              </a:p>
-              <a:p>
-                <a:pPr marL="789175" indent="-636782" defTabSz="3223371">
-                  <a:buAutoNum type="arabicPeriod"/>
-                  <a:defRPr/>
-                </a:pPr>
-                <a:endParaRPr lang="en-US" sz="2800" dirty="0">
+                </a:rPr>
+                <a:t>ResNet</a:t>
+              </a:r>
+              <a:r>
+                <a:rPr lang="en-US" sz="2800" b="1" dirty="0">
                   <a:latin typeface="Calibri"/>
                   <a:cs typeface="Calibri"/>
-                </a:endParaRPr>
-              </a:p>
-              <a:p>
-                <a:pPr marL="789175" indent="-636782" defTabSz="3223371">
-                  <a:buAutoNum type="arabicPeriod"/>
-                  <a:defRPr/>
-                </a:pPr>
-                <a:endParaRPr lang="en-US" sz="2800" dirty="0">
+                </a:rPr>
+                <a:t>: </a:t>
+              </a:r>
+              <a:r>
+                <a:rPr lang="en-US" sz="2800" dirty="0">
                   <a:latin typeface="Calibri"/>
                   <a:cs typeface="Calibri"/>
-                </a:endParaRPr>
-              </a:p>
-              <a:p>
-                <a:pPr marL="789175" indent="-636782" defTabSz="3223371">
-                  <a:buAutoNum type="arabicPeriod"/>
-                  <a:defRPr/>
-                </a:pPr>
-                <a:r>
-                  <a:rPr lang="en-US" sz="2800" b="1" dirty="0" err="1">
-                    <a:latin typeface="Calibri"/>
-                    <a:cs typeface="Calibri"/>
-                  </a:rPr>
-                  <a:t>ResNet</a:t>
-                </a:r>
-                <a:r>
-                  <a:rPr lang="en-US" sz="2800" b="1" dirty="0">
-                    <a:latin typeface="Calibri"/>
-                    <a:cs typeface="Calibri"/>
-                  </a:rPr>
-                  <a:t>: </a:t>
-                </a:r>
-                <a:r>
-                  <a:rPr lang="en-US" sz="2800" dirty="0">
-                    <a:latin typeface="Calibri"/>
-                    <a:cs typeface="Calibri"/>
-                  </a:rPr>
-                  <a:t>Unrolled addition loops </a:t>
-                </a:r>
-                <a:r>
-                  <a:rPr lang="en-US" sz="2800" dirty="0" smtClean="0">
-                    <a:latin typeface="Calibri"/>
-                    <a:cs typeface="Calibri"/>
-                  </a:rPr>
-                  <a:t>can </a:t>
-                </a:r>
-                <a:r>
-                  <a:rPr lang="en-US" sz="2800" dirty="0">
-                    <a:latin typeface="Calibri"/>
-                    <a:cs typeface="Calibri"/>
-                  </a:rPr>
-                  <a:t>be interpreted as skip connections</a:t>
-                </a:r>
-                <a:r>
-                  <a:rPr lang="en-US" sz="2800" dirty="0" smtClean="0">
-                    <a:latin typeface="Calibri"/>
-                    <a:cs typeface="Calibri"/>
-                  </a:rPr>
-                  <a:t>.</a:t>
-                </a:r>
-              </a:p>
-              <a:p>
-                <a:pPr marL="789175" indent="-636782" defTabSz="3223371">
-                  <a:buAutoNum type="arabicPeriod"/>
-                  <a:defRPr/>
-                </a:pPr>
-                <a:endParaRPr lang="en-US" sz="2800" dirty="0">
+                </a:rPr>
+                <a:t>Unrolled addition loops </a:t>
+              </a:r>
+              <a:r>
+                <a:rPr lang="en-US" sz="2800" dirty="0" smtClean="0">
                   <a:latin typeface="Calibri"/>
                   <a:cs typeface="Calibri"/>
-                </a:endParaRPr>
-              </a:p>
-              <a:p>
-                <a:pPr marL="789175" indent="-636782" defTabSz="3223371">
-                  <a:buAutoNum type="arabicPeriod"/>
-                  <a:defRPr/>
-                </a:pPr>
-                <a:endParaRPr lang="en-US" sz="2800" dirty="0" smtClean="0">
+                </a:rPr>
+                <a:t>can </a:t>
+              </a:r>
+              <a:r>
+                <a:rPr lang="en-US" sz="2800" dirty="0">
                   <a:latin typeface="Calibri"/>
                   <a:cs typeface="Calibri"/>
-                </a:endParaRPr>
-              </a:p>
-              <a:p>
-                <a:pPr marL="789175" indent="-636782" defTabSz="3223371">
-                  <a:buAutoNum type="arabicPeriod"/>
-                  <a:defRPr/>
-                </a:pPr>
-                <a:endParaRPr lang="en-US" sz="2800" dirty="0">
+                </a:rPr>
+                <a:t>be interpreted as skip connections</a:t>
+              </a:r>
+              <a:r>
+                <a:rPr lang="en-US" sz="2800" dirty="0" smtClean="0">
                   <a:latin typeface="Calibri"/>
                   <a:cs typeface="Calibri"/>
-                </a:endParaRPr>
-              </a:p>
-              <a:p>
-                <a:pPr marL="152393" defTabSz="3223371">
-                  <a:defRPr/>
-                </a:pPr>
-                <a:endParaRPr lang="en-US" sz="2800" dirty="0">
-                  <a:latin typeface="Calibri"/>
-                  <a:cs typeface="Calibri"/>
-                </a:endParaRPr>
-              </a:p>
-              <a:p>
-                <a:pPr marL="789175" indent="-636782" defTabSz="3223371">
-                  <a:buFontTx/>
-                  <a:buAutoNum type="arabicPeriod"/>
-                  <a:defRPr/>
-                </a:pPr>
-                <a:r>
-                  <a:rPr lang="en-US" sz="2800" b="1" dirty="0">
-                    <a:cs typeface="Calibri"/>
-                  </a:rPr>
-                  <a:t>Attention Networks:</a:t>
-                </a:r>
-                <a:r>
-                  <a:rPr lang="en-US" sz="2800" dirty="0">
-                    <a:cs typeface="Calibri"/>
-                  </a:rPr>
-                  <a:t> digest input, loop layer tells you where to attend, digest again. [EDIT]</a:t>
-                </a:r>
-              </a:p>
-              <a:p>
-                <a:pPr marL="789175" indent="-636782" defTabSz="3223371">
-                  <a:buFontTx/>
-                  <a:buAutoNum type="arabicPeriod"/>
-                  <a:defRPr/>
-                </a:pPr>
-                <a:r>
-                  <a:rPr lang="en-US" sz="2800" b="1" dirty="0">
-                    <a:latin typeface="Calibri"/>
-                    <a:cs typeface="Calibri"/>
-                  </a:rPr>
-                  <a:t>Recurrent CNNs for Scene Labeling: </a:t>
-                </a:r>
-                <a:r>
-                  <a:rPr lang="en-US" sz="2800" dirty="0">
-                    <a:latin typeface="Calibri"/>
-                    <a:cs typeface="Calibri"/>
-                  </a:rPr>
-                  <a:t>Apply CNN multiple times to refine labels recursively. [CITE]</a:t>
-                </a:r>
-              </a:p>
-            </p:txBody>
-          </p:sp>
-          <p:pic>
-            <p:nvPicPr>
-              <p:cNvPr id="16" name="Picture 15"/>
-              <p:cNvPicPr>
-                <a:picLocks noChangeAspect="1"/>
-              </p:cNvPicPr>
-              <p:nvPr/>
-            </p:nvPicPr>
-            <p:blipFill>
-              <a:blip r:embed="rId5"/>
-              <a:stretch>
-                <a:fillRect/>
-              </a:stretch>
-            </p:blipFill>
-            <p:spPr>
-              <a:xfrm>
-                <a:off x="2362200" y="20345400"/>
-                <a:ext cx="5696136" cy="1496657"/>
-              </a:xfrm>
-              <a:prstGeom prst="rect">
-                <a:avLst/>
-              </a:prstGeom>
-            </p:spPr>
-          </p:pic>
-        </p:grpSp>
+                </a:rPr>
+                <a:t>.</a:t>
+              </a:r>
+              <a:endParaRPr lang="en-US" sz="2800" dirty="0">
+                <a:latin typeface="Calibri"/>
+                <a:cs typeface="Calibri"/>
+              </a:endParaRPr>
+            </a:p>
+            <a:p>
+              <a:pPr marL="789175" indent="-636782" defTabSz="3223371">
+                <a:buFontTx/>
+                <a:buAutoNum type="arabicPeriod"/>
+                <a:defRPr/>
+              </a:pPr>
+              <a:r>
+                <a:rPr lang="en-US" sz="2800" b="1" dirty="0"/>
+                <a:t>Attention Networks: </a:t>
+              </a:r>
+              <a:r>
+                <a:rPr lang="en-US" sz="2800" dirty="0"/>
+                <a:t>ANs digest input once to indicate where to heed in the input, and then digest input again. This is similar to a one-unroll LNN</a:t>
+              </a:r>
+              <a:r>
+                <a:rPr lang="en-US" sz="2800" dirty="0" smtClean="0"/>
+                <a:t>.</a:t>
+              </a:r>
+            </a:p>
+            <a:p>
+              <a:pPr marL="789175" indent="-636782" defTabSz="3223371">
+                <a:buFontTx/>
+                <a:buAutoNum type="arabicPeriod"/>
+                <a:defRPr/>
+              </a:pPr>
+              <a:r>
+                <a:rPr lang="en-US" sz="2800" b="1" dirty="0" smtClean="0"/>
+                <a:t>Recurrent CNNs for Scene Labeling [2]: </a:t>
+              </a:r>
+              <a:r>
+                <a:rPr lang="en-US" sz="2800" dirty="0" smtClean="0"/>
+                <a:t>Feed an image through a </a:t>
+              </a:r>
+              <a:r>
+                <a:rPr lang="en-US" sz="2800" dirty="0" err="1" smtClean="0"/>
+                <a:t>convnet</a:t>
+              </a:r>
+              <a:r>
+                <a:rPr lang="en-US" sz="2800" dirty="0" smtClean="0"/>
+                <a:t>, get a result, element-wise compose this with a lower-res version of the input, feed through the </a:t>
+              </a:r>
+              <a:r>
+                <a:rPr lang="en-US" sz="2800" dirty="0" err="1" smtClean="0"/>
+                <a:t>convnet</a:t>
+              </a:r>
+              <a:r>
+                <a:rPr lang="en-US" sz="2800" dirty="0" smtClean="0"/>
+                <a:t> again.  Iterate.  Special case of LNN.</a:t>
+              </a:r>
+            </a:p>
+            <a:p>
+              <a:pPr marL="152393" defTabSz="3223371">
+                <a:defRPr/>
+              </a:pPr>
+              <a:endParaRPr lang="en-US" sz="500" dirty="0" smtClean="0"/>
+            </a:p>
+          </p:txBody>
+        </p:sp>
         <p:pic>
           <p:nvPicPr>
-            <p:cNvPr id="10" name="Picture 9"/>
+            <p:cNvPr id="16" name="Picture 15"/>
             <p:cNvPicPr>
               <a:picLocks noChangeAspect="1"/>
             </p:cNvPicPr>
             <p:nvPr/>
           </p:nvPicPr>
-          <p:blipFill rotWithShape="1">
-            <a:blip r:embed="rId6"/>
-            <a:srcRect l="65760" t="13388" r="4088" b="2868"/>
-            <a:stretch/>
+          <p:blipFill>
+            <a:blip r:embed="rId5"/>
+            <a:stretch>
+              <a:fillRect/>
+            </a:stretch>
           </p:blipFill>
           <p:spPr>
-            <a:xfrm rot="16200000">
-              <a:off x="5420642" y="13248358"/>
-              <a:ext cx="1579316" cy="9220200"/>
+            <a:xfrm>
+              <a:off x="2463800" y="21164550"/>
+              <a:ext cx="5696136" cy="1496658"/>
             </a:xfrm>
             <a:prstGeom prst="rect">
               <a:avLst/>
@@ -4785,9 +4733,9 @@
         <p:grpSpPr>
           <a:xfrm>
             <a:off x="11658600" y="5105400"/>
-            <a:ext cx="9669780" cy="8987078"/>
+            <a:ext cx="9669780" cy="9848852"/>
             <a:chOff x="11658600" y="5105400"/>
-            <a:chExt cx="9669780" cy="8987078"/>
+            <a:chExt cx="9669780" cy="9848852"/>
           </a:xfrm>
         </p:grpSpPr>
         <p:grpSp>
@@ -4799,9 +4747,9 @@
           <p:grpSpPr>
             <a:xfrm>
               <a:off x="11658600" y="5105400"/>
-              <a:ext cx="9669780" cy="8987078"/>
+              <a:ext cx="9669780" cy="9848852"/>
               <a:chOff x="12877800" y="7315200"/>
-              <a:chExt cx="10744200" cy="10271281"/>
+              <a:chExt cx="10744200" cy="11256197"/>
             </a:xfrm>
           </p:grpSpPr>
           <p:sp>
@@ -4815,7 +4763,7 @@
             <p:spPr bwMode="auto">
               <a:xfrm>
                 <a:off x="12877800" y="7315200"/>
-                <a:ext cx="10744200" cy="10271281"/>
+                <a:ext cx="10744200" cy="11256197"/>
               </a:xfrm>
               <a:prstGeom prst="rect">
                 <a:avLst/>
@@ -4872,6 +4820,23 @@
                   <a:rPr lang="en-US" sz="2800" dirty="0" smtClean="0"/>
                   <a:t>”</a:t>
                 </a:r>
+              </a:p>
+              <a:p>
+                <a:pPr marL="152392" defTabSz="3223371">
+                  <a:defRPr/>
+                </a:pPr>
+                <a:endParaRPr lang="en-US" sz="2800" dirty="0" smtClean="0"/>
+              </a:p>
+              <a:p>
+                <a:pPr marL="152392" defTabSz="3223371">
+                  <a:defRPr/>
+                </a:pPr>
+                <a:endParaRPr lang="en-US" sz="2800" dirty="0" smtClean="0">
+                  <a:solidFill>
+                    <a:prstClr val="black"/>
+                  </a:solidFill>
+                  <a:cs typeface="Calibri"/>
+                </a:endParaRPr>
               </a:p>
               <a:p>
                 <a:pPr marL="152392" defTabSz="3223371">
@@ -5026,7 +4991,7 @@
               <p:nvPr/>
             </p:nvPicPr>
             <p:blipFill>
-              <a:blip r:embed="rId7"/>
+              <a:blip r:embed="rId6"/>
               <a:stretch>
                 <a:fillRect/>
               </a:stretch>
@@ -5050,14 +5015,14 @@
               <p:nvPr/>
             </p:nvPicPr>
             <p:blipFill>
-              <a:blip r:embed="rId8"/>
+              <a:blip r:embed="rId7"/>
               <a:stretch>
                 <a:fillRect/>
               </a:stretch>
             </p:blipFill>
             <p:spPr>
               <a:xfrm>
-                <a:off x="13131800" y="14282284"/>
+                <a:off x="13131800" y="14891904"/>
                 <a:ext cx="9800492" cy="2895600"/>
               </a:xfrm>
               <a:prstGeom prst="rect">
@@ -5074,7 +5039,7 @@
           </p:nvSpPr>
           <p:spPr>
             <a:xfrm>
-              <a:off x="12420600" y="10744200"/>
+              <a:off x="12420600" y="11049000"/>
               <a:ext cx="5181600" cy="400110"/>
             </a:xfrm>
             <a:prstGeom prst="rect">
@@ -5104,7 +5069,7 @@
           </p:nvSpPr>
           <p:spPr>
             <a:xfrm>
-              <a:off x="12420600" y="13487400"/>
+              <a:off x="12420600" y="14249400"/>
               <a:ext cx="5181600" cy="400110"/>
             </a:xfrm>
             <a:prstGeom prst="rect">
@@ -5135,7 +5100,7 @@
         </p:nvSpPr>
         <p:spPr>
           <a:xfrm>
-            <a:off x="17526000" y="8382000"/>
+            <a:off x="17449800" y="8686800"/>
             <a:ext cx="3810000" cy="2554545"/>
           </a:xfrm>
           <a:prstGeom prst="rect">
@@ -5770,7 +5735,7 @@
         </p:xfrm>
         <a:graphic>
           <a:graphicData uri="http://schemas.openxmlformats.org/drawingml/2006/chart">
-            <c:chart xmlns:c="http://schemas.openxmlformats.org/drawingml/2006/chart" xmlns:r="http://schemas.openxmlformats.org/officeDocument/2006/relationships" r:id="rId9"/>
+            <c:chart xmlns:c="http://schemas.openxmlformats.org/drawingml/2006/chart" xmlns:r="http://schemas.openxmlformats.org/officeDocument/2006/relationships" r:id="rId8"/>
           </a:graphicData>
         </a:graphic>
       </p:graphicFrame>
@@ -6043,7 +6008,7 @@
             <p:nvPr/>
           </p:nvPicPr>
           <p:blipFill>
-            <a:blip r:embed="rId10"/>
+            <a:blip r:embed="rId9"/>
             <a:stretch>
               <a:fillRect/>
             </a:stretch>
@@ -6067,7 +6032,7 @@
             <p:nvPr/>
           </p:nvPicPr>
           <p:blipFill>
-            <a:blip r:embed="rId11">
+            <a:blip r:embed="rId10">
               <a:extLst>
                 <a:ext uri="{28A0092B-C50C-407E-A947-70E740481C1C}">
                   <a14:useLocalDpi xmlns:a14="http://schemas.microsoft.com/office/drawing/2010/main" val="0"/>

--- a/cs231n_loopy_nets_icaswell_lisa1010_shencq_ver2.pptx
+++ b/cs231n_loopy_nets_icaswell_lisa1010_shencq_ver2.pptx
@@ -4313,7 +4313,7 @@
         <p:spPr bwMode="auto">
           <a:xfrm>
             <a:off x="21945600" y="5105400"/>
-            <a:ext cx="9669780" cy="4851869"/>
+            <a:ext cx="9669780" cy="5113480"/>
           </a:xfrm>
           <a:prstGeom prst="rect">
             <a:avLst/>
@@ -4412,7 +4412,7 @@
             </a:endParaRPr>
           </a:p>
           <a:p>
-            <a:endParaRPr lang="en-US" sz="3100" dirty="0">
+            <a:endParaRPr lang="en-US" sz="4800" dirty="0">
               <a:solidFill>
                 <a:prstClr val="black"/>
               </a:solidFill>
@@ -4459,10 +4459,10 @@
         </p:nvGrpSpPr>
         <p:grpSpPr>
           <a:xfrm>
-            <a:off x="1295400" y="12801600"/>
-            <a:ext cx="9669780" cy="8248412"/>
+            <a:off x="1295400" y="12801599"/>
+            <a:ext cx="9669780" cy="8294578"/>
             <a:chOff x="1447800" y="17449800"/>
-            <a:chExt cx="10744200" cy="10310515"/>
+            <a:chExt cx="10744200" cy="10368223"/>
           </a:xfrm>
         </p:grpSpPr>
         <p:sp>
@@ -4476,7 +4476,7 @@
           <p:spPr bwMode="auto">
             <a:xfrm>
               <a:off x="1447800" y="17449800"/>
-              <a:ext cx="10744200" cy="10310515"/>
+              <a:ext cx="10744200" cy="10368223"/>
             </a:xfrm>
             <a:prstGeom prst="rect">
               <a:avLst/>
@@ -4543,19 +4543,17 @@
               </a:r>
               <a:r>
                 <a:rPr lang="en-US" sz="2800" dirty="0"/>
-                <a:t> composed with the loop input, rather than processed through matrix multiply first</a:t>
+                <a:t> composed with the loop input, rather than processed through matrix multiply </a:t>
               </a:r>
               <a:r>
                 <a:rPr lang="en-US" sz="2800" dirty="0" smtClean="0"/>
+                <a:t>first</a:t>
+              </a:r>
+              <a:r>
+                <a:rPr lang="en-US" sz="2800" dirty="0"/>
                 <a:t>.</a:t>
               </a:r>
-            </a:p>
-            <a:p>
-              <a:pPr marL="789175" indent="-636782" defTabSz="3223371">
-                <a:buAutoNum type="arabicPeriod"/>
-                <a:defRPr/>
-              </a:pPr>
-              <a:endParaRPr lang="en-US" sz="500" dirty="0" smtClean="0">
+              <a:endParaRPr lang="en-US" sz="2900" dirty="0" smtClean="0">
                 <a:latin typeface="Calibri"/>
                 <a:cs typeface="Calibri"/>
               </a:endParaRPr>
@@ -4565,7 +4563,7 @@
                 <a:buAutoNum type="arabicPeriod"/>
                 <a:defRPr/>
               </a:pPr>
-              <a:endParaRPr lang="en-US" sz="2800" dirty="0" smtClean="0">
+              <a:endParaRPr lang="en-US" sz="3200" dirty="0" smtClean="0">
                 <a:latin typeface="Calibri"/>
                 <a:cs typeface="Calibri"/>
               </a:endParaRPr>
@@ -4575,7 +4573,7 @@
                 <a:buAutoNum type="arabicPeriod"/>
                 <a:defRPr/>
               </a:pPr>
-              <a:endParaRPr lang="en-US" sz="2800" dirty="0">
+              <a:endParaRPr lang="en-US" sz="3200" dirty="0">
                 <a:latin typeface="Calibri"/>
                 <a:cs typeface="Calibri"/>
               </a:endParaRPr>
@@ -5724,14 +5722,14 @@
           <p:nvPr>
             <p:extLst>
               <p:ext uri="{D42A27DB-BD31-4B8C-83A1-F6EECF244321}">
-                <p14:modId xmlns:p14="http://schemas.microsoft.com/office/powerpoint/2010/main" val="917517419"/>
+                <p14:modId xmlns:p14="http://schemas.microsoft.com/office/powerpoint/2010/main" val="814387922"/>
               </p:ext>
             </p:extLst>
           </p:nvPr>
         </p:nvGraphicFramePr>
         <p:xfrm>
           <a:off x="22402800" y="5867400"/>
-          <a:ext cx="8534400" cy="2362200"/>
+          <a:ext cx="8534400" cy="2590800"/>
         </p:xfrm>
         <a:graphic>
           <a:graphicData uri="http://schemas.openxmlformats.org/drawingml/2006/chart">

--- a/cs231n_loopy_nets_icaswell_lisa1010_shencq_ver2.pptx
+++ b/cs231n_loopy_nets_icaswell_lisa1010_shencq_ver2.pptx
@@ -4203,7 +4203,7 @@
         </p:blipFill>
         <p:spPr>
           <a:xfrm>
-            <a:off x="3886200" y="8305800"/>
+            <a:off x="4343400" y="8382000"/>
             <a:ext cx="3670349" cy="2346960"/>
           </a:xfrm>
           <a:prstGeom prst="rect">
@@ -5896,8 +5896,12 @@
                 <a:defRPr/>
               </a:pPr>
               <a:r>
+                <a:rPr lang="en-US" sz="2800" b="1" dirty="0" smtClean="0"/>
+                <a:t>MNIST: </a:t>
+              </a:r>
+              <a:r>
                 <a:rPr lang="en-US" sz="2800" dirty="0" smtClean="0"/>
-                <a:t>MNIST: Increasing </a:t>
+                <a:t>Increasing </a:t>
               </a:r>
               <a:r>
                 <a:rPr lang="en-US" sz="2800" dirty="0"/>
@@ -5979,8 +5983,12 @@
                 <a:defRPr/>
               </a:pPr>
               <a:r>
+                <a:rPr lang="en-US" sz="2800" b="1" dirty="0" smtClean="0"/>
+                <a:t>CIFAR-10: </a:t>
+              </a:r>
+              <a:r>
                 <a:rPr lang="en-US" sz="2800" dirty="0" smtClean="0"/>
-                <a:t>CIFAR-10: Unrolls </a:t>
+                <a:t>Unrolls </a:t>
               </a:r>
               <a:r>
                 <a:rPr lang="en-US" sz="2800" dirty="0"/>

--- a/cs231n_loopy_nets_icaswell_lisa1010_shencq_ver2.pptx
+++ b/cs231n_loopy_nets_icaswell_lisa1010_shencq_ver2.pptx
@@ -3906,7 +3906,23 @@
             </a:r>
             <a:r>
               <a:rPr lang="en-US" sz="2800" dirty="0"/>
-              <a:t>Artificial neural networks are directed acyclic graphs (DAGs), but the network of neurons in our brains, in particular the two main visual object recognition systems (“what” and “where” pathways), contain many feedback loops. [1] We propose loopy neural networks (LNN) as a more faithful mimicry of actual neural </a:t>
+              <a:t>Artificial neural networks are directed acyclic graphs (DAGs), but the network of neurons in our brains, in particular the two main visual object recognition systems (“what” and “where” pathways), contain many feedback </a:t>
+            </a:r>
+            <a:r>
+              <a:rPr lang="en-US" sz="2800" dirty="0" smtClean="0"/>
+              <a:t>loops</a:t>
+            </a:r>
+            <a:r>
+              <a:rPr lang="en-US" sz="2800" baseline="30000" dirty="0" smtClean="0"/>
+              <a:t>[1]</a:t>
+            </a:r>
+            <a:r>
+              <a:rPr lang="en-US" sz="2800" dirty="0" smtClean="0"/>
+              <a:t>. We </a:t>
+            </a:r>
+            <a:r>
+              <a:rPr lang="en-US" sz="2800" dirty="0"/>
+              <a:t>propose loopy neural networks (LNN) as a more faithful mimicry of actual neural </a:t>
             </a:r>
             <a:r>
               <a:rPr lang="en-US" sz="2800" dirty="0" smtClean="0"/>
@@ -4666,7 +4682,19 @@
               </a:pPr>
               <a:r>
                 <a:rPr lang="en-US" sz="2800" b="1" dirty="0" smtClean="0"/>
-                <a:t>Recurrent CNNs for Scene Labeling [2]: </a:t>
+                <a:t>Recurrent CNNs for </a:t>
+              </a:r>
+              <a:r>
+                <a:rPr lang="en-US" sz="2800" b="1" smtClean="0"/>
+                <a:t>Scene Labeling</a:t>
+              </a:r>
+              <a:r>
+                <a:rPr lang="en-US" sz="2800" b="1" baseline="30000" smtClean="0"/>
+                <a:t>[2]</a:t>
+              </a:r>
+              <a:r>
+                <a:rPr lang="en-US" sz="2800" b="1" smtClean="0"/>
+                <a:t>: </a:t>
               </a:r>
               <a:r>
                 <a:rPr lang="en-US" sz="2800" dirty="0" smtClean="0"/>
